--- a/docs/Diagrams.pptx
+++ b/docs/Diagrams.pptx
@@ -5,7 +5,7 @@
     <p:sldMasterId id="2147483648" r:id="rId1"/>
   </p:sldMasterIdLst>
   <p:notesMasterIdLst>
-    <p:notesMasterId r:id="rId7"/>
+    <p:notesMasterId r:id="rId8"/>
   </p:notesMasterIdLst>
   <p:sldIdLst>
     <p:sldId id="256" r:id="rId2"/>
@@ -13,6 +13,7 @@
     <p:sldId id="258" r:id="rId4"/>
     <p:sldId id="259" r:id="rId5"/>
     <p:sldId id="260" r:id="rId6"/>
+    <p:sldId id="261" r:id="rId7"/>
   </p:sldIdLst>
   <p:sldSz cx="9144000" cy="6858000" type="screen4x3"/>
   <p:notesSz cx="6858000" cy="9144000"/>
@@ -111,6 +112,22 @@
       </a:defRPr>
     </a:lvl9pPr>
   </p:defaultTextStyle>
+  <p:extLst>
+    <p:ext uri="{EFAFB233-063F-42B5-8137-9DF3F51BA10A}">
+      <p15:sldGuideLst xmlns:p15="http://schemas.microsoft.com/office/powerpoint/2012/main">
+        <p15:guide id="1" orient="horz" pos="2160">
+          <p15:clr>
+            <a:srgbClr val="A4A3A4"/>
+          </p15:clr>
+        </p15:guide>
+        <p15:guide id="2" pos="2880">
+          <p15:clr>
+            <a:srgbClr val="A4A3A4"/>
+          </p15:clr>
+        </p15:guide>
+      </p15:sldGuideLst>
+    </p:ext>
+  </p:extLst>
 </p:presentation>
 </file>
 
@@ -196,7 +213,7 @@
           <a:p>
             <a:fld id="{62BE8112-61B9-4866-99D5-D85CDA96D7FA}" type="datetimeFigureOut">
               <a:rPr lang="en-US" smtClean="0"/>
-              <a:t>4/29/2013</a:t>
+              <a:t>8/17/2014</a:t>
             </a:fld>
             <a:endParaRPr lang="en-US"/>
           </a:p>
@@ -730,7 +747,7 @@
             <a:fld id="{1D8BD707-D9CF-40AE-B4C6-C98DA3205C09}" type="datetimeFigureOut">
               <a:rPr lang="en-US" smtClean="0"/>
               <a:pPr/>
-              <a:t>4/29/2013</a:t>
+              <a:t>8/17/2014</a:t>
             </a:fld>
             <a:endParaRPr lang="en-US"/>
           </a:p>
@@ -897,7 +914,7 @@
             <a:fld id="{1D8BD707-D9CF-40AE-B4C6-C98DA3205C09}" type="datetimeFigureOut">
               <a:rPr lang="en-US" smtClean="0"/>
               <a:pPr/>
-              <a:t>4/29/2013</a:t>
+              <a:t>8/17/2014</a:t>
             </a:fld>
             <a:endParaRPr lang="en-US"/>
           </a:p>
@@ -1074,7 +1091,7 @@
             <a:fld id="{1D8BD707-D9CF-40AE-B4C6-C98DA3205C09}" type="datetimeFigureOut">
               <a:rPr lang="en-US" smtClean="0"/>
               <a:pPr/>
-              <a:t>4/29/2013</a:t>
+              <a:t>8/17/2014</a:t>
             </a:fld>
             <a:endParaRPr lang="en-US"/>
           </a:p>
@@ -1241,7 +1258,7 @@
             <a:fld id="{1D8BD707-D9CF-40AE-B4C6-C98DA3205C09}" type="datetimeFigureOut">
               <a:rPr lang="en-US" smtClean="0"/>
               <a:pPr/>
-              <a:t>4/29/2013</a:t>
+              <a:t>8/17/2014</a:t>
             </a:fld>
             <a:endParaRPr lang="en-US"/>
           </a:p>
@@ -1484,7 +1501,7 @@
             <a:fld id="{1D8BD707-D9CF-40AE-B4C6-C98DA3205C09}" type="datetimeFigureOut">
               <a:rPr lang="en-US" smtClean="0"/>
               <a:pPr/>
-              <a:t>4/29/2013</a:t>
+              <a:t>8/17/2014</a:t>
             </a:fld>
             <a:endParaRPr lang="en-US"/>
           </a:p>
@@ -1769,7 +1786,7 @@
             <a:fld id="{1D8BD707-D9CF-40AE-B4C6-C98DA3205C09}" type="datetimeFigureOut">
               <a:rPr lang="en-US" smtClean="0"/>
               <a:pPr/>
-              <a:t>4/29/2013</a:t>
+              <a:t>8/17/2014</a:t>
             </a:fld>
             <a:endParaRPr lang="en-US"/>
           </a:p>
@@ -2188,7 +2205,7 @@
             <a:fld id="{1D8BD707-D9CF-40AE-B4C6-C98DA3205C09}" type="datetimeFigureOut">
               <a:rPr lang="en-US" smtClean="0"/>
               <a:pPr/>
-              <a:t>4/29/2013</a:t>
+              <a:t>8/17/2014</a:t>
             </a:fld>
             <a:endParaRPr lang="en-US"/>
           </a:p>
@@ -2303,7 +2320,7 @@
             <a:fld id="{1D8BD707-D9CF-40AE-B4C6-C98DA3205C09}" type="datetimeFigureOut">
               <a:rPr lang="en-US" smtClean="0"/>
               <a:pPr/>
-              <a:t>4/29/2013</a:t>
+              <a:t>8/17/2014</a:t>
             </a:fld>
             <a:endParaRPr lang="en-US"/>
           </a:p>
@@ -2395,7 +2412,7 @@
             <a:fld id="{1D8BD707-D9CF-40AE-B4C6-C98DA3205C09}" type="datetimeFigureOut">
               <a:rPr lang="en-US" smtClean="0"/>
               <a:pPr/>
-              <a:t>4/29/2013</a:t>
+              <a:t>8/17/2014</a:t>
             </a:fld>
             <a:endParaRPr lang="en-US"/>
           </a:p>
@@ -2669,7 +2686,7 @@
             <a:fld id="{1D8BD707-D9CF-40AE-B4C6-C98DA3205C09}" type="datetimeFigureOut">
               <a:rPr lang="en-US" smtClean="0"/>
               <a:pPr/>
-              <a:t>4/29/2013</a:t>
+              <a:t>8/17/2014</a:t>
             </a:fld>
             <a:endParaRPr lang="en-US"/>
           </a:p>
@@ -2919,7 +2936,7 @@
             <a:fld id="{1D8BD707-D9CF-40AE-B4C6-C98DA3205C09}" type="datetimeFigureOut">
               <a:rPr lang="en-US" smtClean="0"/>
               <a:pPr/>
-              <a:t>4/29/2013</a:t>
+              <a:t>8/17/2014</a:t>
             </a:fld>
             <a:endParaRPr lang="en-US"/>
           </a:p>
@@ -3129,7 +3146,7 @@
             <a:fld id="{1D8BD707-D9CF-40AE-B4C6-C98DA3205C09}" type="datetimeFigureOut">
               <a:rPr lang="en-US" smtClean="0"/>
               <a:pPr/>
-              <a:t>4/29/2013</a:t>
+              <a:t>8/17/2014</a:t>
             </a:fld>
             <a:endParaRPr lang="en-US"/>
           </a:p>
@@ -6574,13 +6591,6 @@
               </a:rPr>
               <a:t>storage server</a:t>
             </a:r>
-            <a:endParaRPr lang="en-US" dirty="0" smtClean="0">
-              <a:ln>
-                <a:solidFill>
-                  <a:schemeClr val="bg1"/>
-                </a:solidFill>
-              </a:ln>
-            </a:endParaRPr>
           </a:p>
           <a:p>
             <a:pPr algn="ctr"/>
@@ -6664,35 +6674,8 @@
                   </a:solidFill>
                 </a:ln>
               </a:rPr>
-              <a:t> </a:t>
-            </a:r>
-            <a:r>
-              <a:rPr lang="en-US" dirty="0" smtClean="0">
-                <a:ln>
-                  <a:solidFill>
-                    <a:schemeClr val="bg1"/>
-                  </a:solidFill>
-                </a:ln>
-              </a:rPr>
-              <a:t>     </a:t>
-            </a:r>
-            <a:r>
-              <a:rPr lang="en-US" dirty="0" smtClean="0">
-                <a:ln>
-                  <a:solidFill>
-                    <a:schemeClr val="bg1"/>
-                  </a:solidFill>
-                </a:ln>
-              </a:rPr>
-              <a:t>master</a:t>
-            </a:r>
-            <a:endParaRPr lang="en-US" dirty="0" smtClean="0">
-              <a:ln>
-                <a:solidFill>
-                  <a:schemeClr val="bg1"/>
-                </a:solidFill>
-              </a:ln>
-            </a:endParaRPr>
+              <a:t>      master</a:t>
+            </a:r>
           </a:p>
           <a:p>
             <a:pPr algn="ctr"/>
@@ -6816,35 +6799,8 @@
                   </a:solidFill>
                 </a:ln>
               </a:rPr>
-              <a:t> </a:t>
-            </a:r>
-            <a:r>
-              <a:rPr lang="en-US" dirty="0" smtClean="0">
-                <a:ln>
-                  <a:solidFill>
-                    <a:schemeClr val="bg1"/>
-                  </a:solidFill>
-                </a:ln>
-              </a:rPr>
-              <a:t>     </a:t>
-            </a:r>
-            <a:r>
-              <a:rPr lang="en-US" dirty="0" smtClean="0">
-                <a:ln>
-                  <a:solidFill>
-                    <a:schemeClr val="bg1"/>
-                  </a:solidFill>
-                </a:ln>
-              </a:rPr>
-              <a:t>slave</a:t>
-            </a:r>
-            <a:endParaRPr lang="en-US" dirty="0" smtClean="0">
-              <a:ln>
-                <a:solidFill>
-                  <a:schemeClr val="bg1"/>
-                </a:solidFill>
-              </a:ln>
-            </a:endParaRPr>
+              <a:t>      slave</a:t>
+            </a:r>
           </a:p>
           <a:p>
             <a:pPr algn="ctr"/>
@@ -7019,15 +6975,7 @@
               <a:srgbClr val="FFFFFF"/>
             </a:contourClr>
           </a:sp3d>
-          <a:extLst>
-            <a:ext uri="{909E8E84-426E-40DD-AFC4-6F175D3DCCD1}">
-              <a14:hiddenFill xmlns:a14="http://schemas.microsoft.com/office/drawing/2010/main">
-                <a:solidFill>
-                  <a:srgbClr val="FFFFFF"/>
-                </a:solidFill>
-              </a14:hiddenFill>
-            </a:ext>
-          </a:extLst>
+          <a:extLst/>
         </p:spPr>
       </p:pic>
       <p:cxnSp>
@@ -7428,7 +7376,6 @@
               <a:rPr lang="en-US" b="1" dirty="0"/>
               <a:t>2</a:t>
             </a:r>
-            <a:endParaRPr lang="en-US" b="1" dirty="0"/>
           </a:p>
         </p:txBody>
       </p:sp>
@@ -7516,7 +7463,6 @@
               <a:rPr lang="en-US" b="1" dirty="0"/>
               <a:t>3</a:t>
             </a:r>
-            <a:endParaRPr lang="en-US" b="1" dirty="0"/>
           </a:p>
         </p:txBody>
       </p:sp>
@@ -7524,6 +7470,174 @@
     <p:extLst>
       <p:ext uri="{BB962C8B-B14F-4D97-AF65-F5344CB8AC3E}">
         <p14:creationId xmlns:p14="http://schemas.microsoft.com/office/powerpoint/2010/main" val="3930776289"/>
+      </p:ext>
+    </p:extLst>
+  </p:cSld>
+  <p:clrMapOvr>
+    <a:masterClrMapping/>
+  </p:clrMapOvr>
+</p:sld>
+</file>
+
+<file path=ppt/slides/slide6.xml><?xml version="1.0" encoding="utf-8"?>
+<p:sld xmlns:a="http://schemas.openxmlformats.org/drawingml/2006/main" xmlns:r="http://schemas.openxmlformats.org/officeDocument/2006/relationships" xmlns:p="http://schemas.openxmlformats.org/presentationml/2006/main">
+  <p:cSld>
+    <p:spTree>
+      <p:nvGrpSpPr>
+        <p:cNvPr id="1" name=""/>
+        <p:cNvGrpSpPr/>
+        <p:nvPr/>
+      </p:nvGrpSpPr>
+      <p:grpSpPr>
+        <a:xfrm>
+          <a:off x="0" y="0"/>
+          <a:ext cx="0" cy="0"/>
+          <a:chOff x="0" y="0"/>
+          <a:chExt cx="0" cy="0"/>
+        </a:xfrm>
+      </p:grpSpPr>
+      <p:pic>
+        <p:nvPicPr>
+          <p:cNvPr id="2" name="Picture 1"/>
+          <p:cNvPicPr>
+            <a:picLocks noChangeAspect="1"/>
+          </p:cNvPicPr>
+          <p:nvPr/>
+        </p:nvPicPr>
+        <p:blipFill>
+          <a:blip r:embed="rId2">
+            <a:extLst>
+              <a:ext uri="{28A0092B-C50C-407E-A947-70E740481C1C}">
+                <a14:useLocalDpi xmlns:a14="http://schemas.microsoft.com/office/drawing/2010/main" val="0"/>
+              </a:ext>
+            </a:extLst>
+          </a:blip>
+          <a:stretch>
+            <a:fillRect/>
+          </a:stretch>
+        </p:blipFill>
+        <p:spPr>
+          <a:xfrm>
+            <a:off x="1219200" y="2209800"/>
+            <a:ext cx="2438400" cy="2438400"/>
+          </a:xfrm>
+          <a:prstGeom prst="rect">
+            <a:avLst/>
+          </a:prstGeom>
+        </p:spPr>
+      </p:pic>
+      <p:sp>
+        <p:nvSpPr>
+          <p:cNvPr id="3" name="Rounded Rectangle 2"/>
+          <p:cNvSpPr/>
+          <p:nvPr/>
+        </p:nvSpPr>
+        <p:spPr>
+          <a:xfrm>
+            <a:off x="3733800" y="2362200"/>
+            <a:ext cx="2095500" cy="2133600"/>
+          </a:xfrm>
+          <a:prstGeom prst="roundRect">
+            <a:avLst/>
+          </a:prstGeom>
+          <a:solidFill>
+            <a:schemeClr val="accent1">
+              <a:lumMod val="75000"/>
+            </a:schemeClr>
+          </a:solidFill>
+          <a:ln w="28575">
+            <a:solidFill>
+              <a:schemeClr val="bg1">
+                <a:lumMod val="50000"/>
+              </a:schemeClr>
+            </a:solidFill>
+          </a:ln>
+          <a:effectLst>
+            <a:outerShdw blurRad="76200" sx="102000" sy="102000" algn="ctr" rotWithShape="0">
+              <a:prstClr val="black">
+                <a:alpha val="20000"/>
+              </a:prstClr>
+            </a:outerShdw>
+          </a:effectLst>
+          <a:scene3d>
+            <a:camera prst="perspectiveFront"/>
+            <a:lightRig rig="threePt" dir="t"/>
+          </a:scene3d>
+          <a:sp3d prstMaterial="metal">
+            <a:bevelT/>
+          </a:sp3d>
+        </p:spPr>
+        <p:style>
+          <a:lnRef idx="1">
+            <a:schemeClr val="dk1"/>
+          </a:lnRef>
+          <a:fillRef idx="2">
+            <a:schemeClr val="dk1"/>
+          </a:fillRef>
+          <a:effectRef idx="1">
+            <a:schemeClr val="dk1"/>
+          </a:effectRef>
+          <a:fontRef idx="minor">
+            <a:schemeClr val="dk1"/>
+          </a:fontRef>
+        </p:style>
+        <p:txBody>
+          <a:bodyPr rtlCol="0" anchor="ctr"/>
+          <a:lstStyle/>
+          <a:p>
+            <a:pPr algn="ctr"/>
+            <a:endParaRPr lang="en-US"/>
+          </a:p>
+        </p:txBody>
+      </p:sp>
+      <p:pic>
+        <p:nvPicPr>
+          <p:cNvPr id="5" name="Picture 4"/>
+          <p:cNvPicPr>
+            <a:picLocks noChangeAspect="1"/>
+          </p:cNvPicPr>
+          <p:nvPr/>
+        </p:nvPicPr>
+        <p:blipFill>
+          <a:blip r:embed="rId3" cstate="print">
+            <a:extLst>
+              <a:ext uri="{28A0092B-C50C-407E-A947-70E740481C1C}">
+                <a14:useLocalDpi xmlns:a14="http://schemas.microsoft.com/office/drawing/2010/main" val="0"/>
+              </a:ext>
+            </a:extLst>
+          </a:blip>
+          <a:stretch>
+            <a:fillRect/>
+          </a:stretch>
+        </p:blipFill>
+        <p:spPr>
+          <a:xfrm>
+            <a:off x="3886200" y="2667000"/>
+            <a:ext cx="1746322" cy="1371600"/>
+          </a:xfrm>
+          <a:prstGeom prst="rect">
+            <a:avLst/>
+          </a:prstGeom>
+          <a:effectLst>
+            <a:glow rad="76200">
+              <a:schemeClr val="tx1"/>
+            </a:glow>
+            <a:outerShdw blurRad="101600" sx="103000" sy="103000" algn="ctr" rotWithShape="0">
+              <a:prstClr val="black">
+                <a:alpha val="86000"/>
+              </a:prstClr>
+            </a:outerShdw>
+          </a:effectLst>
+          <a:scene3d>
+            <a:camera prst="orthographicFront"/>
+            <a:lightRig rig="threePt" dir="t"/>
+          </a:scene3d>
+        </p:spPr>
+      </p:pic>
+    </p:spTree>
+    <p:extLst>
+      <p:ext uri="{BB962C8B-B14F-4D97-AF65-F5344CB8AC3E}">
+        <p14:creationId xmlns:p14="http://schemas.microsoft.com/office/powerpoint/2010/main" val="1585489054"/>
       </p:ext>
     </p:extLst>
   </p:cSld>

--- a/docs/Diagrams.pptx
+++ b/docs/Diagrams.pptx
@@ -213,7 +213,7 @@
           <a:p>
             <a:fld id="{62BE8112-61B9-4866-99D5-D85CDA96D7FA}" type="datetimeFigureOut">
               <a:rPr lang="en-US" smtClean="0"/>
-              <a:t>8/17/2014</a:t>
+              <a:t>9/1/2014</a:t>
             </a:fld>
             <a:endParaRPr lang="en-US"/>
           </a:p>
@@ -747,7 +747,7 @@
             <a:fld id="{1D8BD707-D9CF-40AE-B4C6-C98DA3205C09}" type="datetimeFigureOut">
               <a:rPr lang="en-US" smtClean="0"/>
               <a:pPr/>
-              <a:t>8/17/2014</a:t>
+              <a:t>9/1/2014</a:t>
             </a:fld>
             <a:endParaRPr lang="en-US"/>
           </a:p>
@@ -914,7 +914,7 @@
             <a:fld id="{1D8BD707-D9CF-40AE-B4C6-C98DA3205C09}" type="datetimeFigureOut">
               <a:rPr lang="en-US" smtClean="0"/>
               <a:pPr/>
-              <a:t>8/17/2014</a:t>
+              <a:t>9/1/2014</a:t>
             </a:fld>
             <a:endParaRPr lang="en-US"/>
           </a:p>
@@ -1091,7 +1091,7 @@
             <a:fld id="{1D8BD707-D9CF-40AE-B4C6-C98DA3205C09}" type="datetimeFigureOut">
               <a:rPr lang="en-US" smtClean="0"/>
               <a:pPr/>
-              <a:t>8/17/2014</a:t>
+              <a:t>9/1/2014</a:t>
             </a:fld>
             <a:endParaRPr lang="en-US"/>
           </a:p>
@@ -1258,7 +1258,7 @@
             <a:fld id="{1D8BD707-D9CF-40AE-B4C6-C98DA3205C09}" type="datetimeFigureOut">
               <a:rPr lang="en-US" smtClean="0"/>
               <a:pPr/>
-              <a:t>8/17/2014</a:t>
+              <a:t>9/1/2014</a:t>
             </a:fld>
             <a:endParaRPr lang="en-US"/>
           </a:p>
@@ -1501,7 +1501,7 @@
             <a:fld id="{1D8BD707-D9CF-40AE-B4C6-C98DA3205C09}" type="datetimeFigureOut">
               <a:rPr lang="en-US" smtClean="0"/>
               <a:pPr/>
-              <a:t>8/17/2014</a:t>
+              <a:t>9/1/2014</a:t>
             </a:fld>
             <a:endParaRPr lang="en-US"/>
           </a:p>
@@ -1786,7 +1786,7 @@
             <a:fld id="{1D8BD707-D9CF-40AE-B4C6-C98DA3205C09}" type="datetimeFigureOut">
               <a:rPr lang="en-US" smtClean="0"/>
               <a:pPr/>
-              <a:t>8/17/2014</a:t>
+              <a:t>9/1/2014</a:t>
             </a:fld>
             <a:endParaRPr lang="en-US"/>
           </a:p>
@@ -2205,7 +2205,7 @@
             <a:fld id="{1D8BD707-D9CF-40AE-B4C6-C98DA3205C09}" type="datetimeFigureOut">
               <a:rPr lang="en-US" smtClean="0"/>
               <a:pPr/>
-              <a:t>8/17/2014</a:t>
+              <a:t>9/1/2014</a:t>
             </a:fld>
             <a:endParaRPr lang="en-US"/>
           </a:p>
@@ -2320,7 +2320,7 @@
             <a:fld id="{1D8BD707-D9CF-40AE-B4C6-C98DA3205C09}" type="datetimeFigureOut">
               <a:rPr lang="en-US" smtClean="0"/>
               <a:pPr/>
-              <a:t>8/17/2014</a:t>
+              <a:t>9/1/2014</a:t>
             </a:fld>
             <a:endParaRPr lang="en-US"/>
           </a:p>
@@ -2412,7 +2412,7 @@
             <a:fld id="{1D8BD707-D9CF-40AE-B4C6-C98DA3205C09}" type="datetimeFigureOut">
               <a:rPr lang="en-US" smtClean="0"/>
               <a:pPr/>
-              <a:t>8/17/2014</a:t>
+              <a:t>9/1/2014</a:t>
             </a:fld>
             <a:endParaRPr lang="en-US"/>
           </a:p>
@@ -2686,7 +2686,7 @@
             <a:fld id="{1D8BD707-D9CF-40AE-B4C6-C98DA3205C09}" type="datetimeFigureOut">
               <a:rPr lang="en-US" smtClean="0"/>
               <a:pPr/>
-              <a:t>8/17/2014</a:t>
+              <a:t>9/1/2014</a:t>
             </a:fld>
             <a:endParaRPr lang="en-US"/>
           </a:p>
@@ -2936,7 +2936,7 @@
             <a:fld id="{1D8BD707-D9CF-40AE-B4C6-C98DA3205C09}" type="datetimeFigureOut">
               <a:rPr lang="en-US" smtClean="0"/>
               <a:pPr/>
-              <a:t>8/17/2014</a:t>
+              <a:t>9/1/2014</a:t>
             </a:fld>
             <a:endParaRPr lang="en-US"/>
           </a:p>
@@ -3146,7 +3146,7 @@
             <a:fld id="{1D8BD707-D9CF-40AE-B4C6-C98DA3205C09}" type="datetimeFigureOut">
               <a:rPr lang="en-US" smtClean="0"/>
               <a:pPr/>
-              <a:t>8/17/2014</a:t>
+              <a:t>9/1/2014</a:t>
             </a:fld>
             <a:endParaRPr lang="en-US"/>
           </a:p>
@@ -7518,7 +7518,7 @@
         </p:blipFill>
         <p:spPr>
           <a:xfrm>
-            <a:off x="1219200" y="2209800"/>
+            <a:off x="0" y="0"/>
             <a:ext cx="2438400" cy="2438400"/>
           </a:xfrm>
           <a:prstGeom prst="rect">
@@ -7534,7 +7534,7 @@
         </p:nvSpPr>
         <p:spPr>
           <a:xfrm>
-            <a:off x="3733800" y="2362200"/>
+            <a:off x="2514600" y="152400"/>
             <a:ext cx="2095500" cy="2133600"/>
           </a:xfrm>
           <a:prstGeom prst="roundRect">
@@ -7612,7 +7612,7 @@
         </p:blipFill>
         <p:spPr>
           <a:xfrm>
-            <a:off x="3886200" y="2667000"/>
+            <a:off x="2667000" y="457200"/>
             <a:ext cx="1746322" cy="1371600"/>
           </a:xfrm>
           <a:prstGeom prst="rect">
@@ -7634,6 +7634,368 @@
           </a:scene3d>
         </p:spPr>
       </p:pic>
+      <p:sp>
+        <p:nvSpPr>
+          <p:cNvPr id="6" name="Rounded Rectangle 5"/>
+          <p:cNvSpPr/>
+          <p:nvPr/>
+        </p:nvSpPr>
+        <p:spPr>
+          <a:xfrm>
+            <a:off x="5029200" y="152400"/>
+            <a:ext cx="2095500" cy="2133600"/>
+          </a:xfrm>
+          <a:prstGeom prst="roundRect">
+            <a:avLst/>
+          </a:prstGeom>
+          <a:solidFill>
+            <a:schemeClr val="bg1">
+              <a:lumMod val="50000"/>
+            </a:schemeClr>
+          </a:solidFill>
+          <a:ln w="28575">
+            <a:solidFill>
+              <a:schemeClr val="bg1">
+                <a:lumMod val="50000"/>
+              </a:schemeClr>
+            </a:solidFill>
+          </a:ln>
+          <a:effectLst>
+            <a:outerShdw blurRad="76200" sx="102000" sy="102000" algn="ctr" rotWithShape="0">
+              <a:prstClr val="black">
+                <a:alpha val="20000"/>
+              </a:prstClr>
+            </a:outerShdw>
+          </a:effectLst>
+          <a:scene3d>
+            <a:camera prst="perspectiveFront"/>
+            <a:lightRig rig="threePt" dir="t"/>
+          </a:scene3d>
+          <a:sp3d prstMaterial="metal">
+            <a:bevelT/>
+          </a:sp3d>
+        </p:spPr>
+        <p:style>
+          <a:lnRef idx="1">
+            <a:schemeClr val="dk1"/>
+          </a:lnRef>
+          <a:fillRef idx="2">
+            <a:schemeClr val="dk1"/>
+          </a:fillRef>
+          <a:effectRef idx="1">
+            <a:schemeClr val="dk1"/>
+          </a:effectRef>
+          <a:fontRef idx="minor">
+            <a:schemeClr val="dk1"/>
+          </a:fontRef>
+        </p:style>
+        <p:txBody>
+          <a:bodyPr rtlCol="0" anchor="ctr"/>
+          <a:lstStyle/>
+          <a:p>
+            <a:pPr algn="ctr"/>
+            <a:endParaRPr lang="en-US"/>
+          </a:p>
+        </p:txBody>
+      </p:sp>
+      <p:pic>
+        <p:nvPicPr>
+          <p:cNvPr id="4" name="Picture 3"/>
+          <p:cNvPicPr>
+            <a:picLocks noChangeAspect="1"/>
+          </p:cNvPicPr>
+          <p:nvPr/>
+        </p:nvPicPr>
+        <p:blipFill>
+          <a:blip r:embed="rId4" cstate="print">
+            <a:extLst>
+              <a:ext uri="{BEBA8EAE-BF5A-486C-A8C5-ECC9F3942E4B}">
+                <a14:imgProps xmlns:a14="http://schemas.microsoft.com/office/drawing/2010/main">
+                  <a14:imgLayer r:embed="rId5">
+                    <a14:imgEffect>
+                      <a14:backgroundRemoval t="1842" b="97851" l="2275" r="97988"/>
+                    </a14:imgEffect>
+                  </a14:imgLayer>
+                </a14:imgProps>
+              </a:ext>
+              <a:ext uri="{28A0092B-C50C-407E-A947-70E740481C1C}">
+                <a14:useLocalDpi xmlns:a14="http://schemas.microsoft.com/office/drawing/2010/main" val="0"/>
+              </a:ext>
+            </a:extLst>
+          </a:blip>
+          <a:stretch>
+            <a:fillRect/>
+          </a:stretch>
+        </p:blipFill>
+        <p:spPr>
+          <a:xfrm>
+            <a:off x="5100605" y="361950"/>
+            <a:ext cx="2005807" cy="1714500"/>
+          </a:xfrm>
+          <a:prstGeom prst="rect">
+            <a:avLst/>
+          </a:prstGeom>
+          <a:effectLst>
+            <a:glow rad="101600">
+              <a:schemeClr val="bg1">
+                <a:alpha val="40000"/>
+              </a:schemeClr>
+            </a:glow>
+          </a:effectLst>
+        </p:spPr>
+      </p:pic>
+      <p:sp>
+        <p:nvSpPr>
+          <p:cNvPr id="7" name="Rounded Rectangle 6"/>
+          <p:cNvSpPr/>
+          <p:nvPr/>
+        </p:nvSpPr>
+        <p:spPr>
+          <a:xfrm>
+            <a:off x="171450" y="2743200"/>
+            <a:ext cx="2095500" cy="2133600"/>
+          </a:xfrm>
+          <a:prstGeom prst="roundRect">
+            <a:avLst/>
+          </a:prstGeom>
+          <a:solidFill>
+            <a:schemeClr val="tx1">
+              <a:lumMod val="85000"/>
+              <a:lumOff val="15000"/>
+            </a:schemeClr>
+          </a:solidFill>
+          <a:ln w="28575">
+            <a:solidFill>
+              <a:schemeClr val="bg1">
+                <a:lumMod val="50000"/>
+              </a:schemeClr>
+            </a:solidFill>
+          </a:ln>
+          <a:effectLst>
+            <a:outerShdw blurRad="76200" sx="102000" sy="102000" algn="ctr" rotWithShape="0">
+              <a:prstClr val="black">
+                <a:alpha val="20000"/>
+              </a:prstClr>
+            </a:outerShdw>
+          </a:effectLst>
+          <a:scene3d>
+            <a:camera prst="perspectiveFront"/>
+            <a:lightRig rig="threePt" dir="t"/>
+          </a:scene3d>
+          <a:sp3d prstMaterial="metal">
+            <a:bevelT/>
+          </a:sp3d>
+        </p:spPr>
+        <p:style>
+          <a:lnRef idx="1">
+            <a:schemeClr val="dk1"/>
+          </a:lnRef>
+          <a:fillRef idx="2">
+            <a:schemeClr val="dk1"/>
+          </a:fillRef>
+          <a:effectRef idx="1">
+            <a:schemeClr val="dk1"/>
+          </a:effectRef>
+          <a:fontRef idx="minor">
+            <a:schemeClr val="dk1"/>
+          </a:fontRef>
+        </p:style>
+        <p:txBody>
+          <a:bodyPr rtlCol="0" anchor="ctr"/>
+          <a:lstStyle/>
+          <a:p>
+            <a:pPr algn="ctr"/>
+            <a:endParaRPr lang="en-US"/>
+          </a:p>
+        </p:txBody>
+      </p:sp>
+      <p:pic>
+        <p:nvPicPr>
+          <p:cNvPr id="8" name="Picture 7"/>
+          <p:cNvPicPr>
+            <a:picLocks noChangeAspect="1"/>
+          </p:cNvPicPr>
+          <p:nvPr/>
+        </p:nvPicPr>
+        <p:blipFill>
+          <a:blip r:embed="rId6" cstate="print">
+            <a:extLst>
+              <a:ext uri="{28A0092B-C50C-407E-A947-70E740481C1C}">
+                <a14:useLocalDpi xmlns:a14="http://schemas.microsoft.com/office/drawing/2010/main" val="0"/>
+              </a:ext>
+            </a:extLst>
+          </a:blip>
+          <a:stretch>
+            <a:fillRect/>
+          </a:stretch>
+        </p:blipFill>
+        <p:spPr>
+          <a:xfrm>
+            <a:off x="190500" y="2781300"/>
+            <a:ext cx="2057400" cy="2057400"/>
+          </a:xfrm>
+          <a:prstGeom prst="rect">
+            <a:avLst/>
+          </a:prstGeom>
+        </p:spPr>
+      </p:pic>
+      <p:sp>
+        <p:nvSpPr>
+          <p:cNvPr id="10" name="Rounded Rectangle 9"/>
+          <p:cNvSpPr/>
+          <p:nvPr/>
+        </p:nvSpPr>
+        <p:spPr>
+          <a:xfrm>
+            <a:off x="2514600" y="2737104"/>
+            <a:ext cx="2095500" cy="2133600"/>
+          </a:xfrm>
+          <a:prstGeom prst="roundRect">
+            <a:avLst/>
+          </a:prstGeom>
+          <a:solidFill>
+            <a:schemeClr val="tx2">
+              <a:lumMod val="50000"/>
+            </a:schemeClr>
+          </a:solidFill>
+          <a:ln w="28575">
+            <a:solidFill>
+              <a:schemeClr val="bg1">
+                <a:lumMod val="50000"/>
+              </a:schemeClr>
+            </a:solidFill>
+          </a:ln>
+          <a:effectLst>
+            <a:outerShdw blurRad="76200" sx="102000" sy="102000" algn="ctr" rotWithShape="0">
+              <a:prstClr val="black">
+                <a:alpha val="20000"/>
+              </a:prstClr>
+            </a:outerShdw>
+          </a:effectLst>
+          <a:scene3d>
+            <a:camera prst="perspectiveFront"/>
+            <a:lightRig rig="threePt" dir="t"/>
+          </a:scene3d>
+          <a:sp3d prstMaterial="metal">
+            <a:bevelT/>
+          </a:sp3d>
+        </p:spPr>
+        <p:style>
+          <a:lnRef idx="1">
+            <a:schemeClr val="dk1"/>
+          </a:lnRef>
+          <a:fillRef idx="2">
+            <a:schemeClr val="dk1"/>
+          </a:fillRef>
+          <a:effectRef idx="1">
+            <a:schemeClr val="dk1"/>
+          </a:effectRef>
+          <a:fontRef idx="minor">
+            <a:schemeClr val="dk1"/>
+          </a:fontRef>
+        </p:style>
+        <p:txBody>
+          <a:bodyPr rtlCol="0" anchor="ctr"/>
+          <a:lstStyle/>
+          <a:p>
+            <a:pPr algn="ctr"/>
+            <a:endParaRPr lang="en-US"/>
+          </a:p>
+        </p:txBody>
+      </p:sp>
+      <p:grpSp>
+        <p:nvGrpSpPr>
+          <p:cNvPr id="14" name="Group 13"/>
+          <p:cNvGrpSpPr/>
+          <p:nvPr/>
+        </p:nvGrpSpPr>
+        <p:grpSpPr>
+          <a:xfrm>
+            <a:off x="2514600" y="2781300"/>
+            <a:ext cx="2095500" cy="2057400"/>
+            <a:chOff x="2590800" y="1524000"/>
+            <a:chExt cx="3962400" cy="3810000"/>
+          </a:xfrm>
+          <a:effectLst>
+            <a:outerShdw blurRad="63500" sx="102000" sy="102000" algn="ctr" rotWithShape="0">
+              <a:prstClr val="black">
+                <a:alpha val="40000"/>
+              </a:prstClr>
+            </a:outerShdw>
+          </a:effectLst>
+        </p:grpSpPr>
+        <p:pic>
+          <p:nvPicPr>
+            <p:cNvPr id="11" name="Picture 10"/>
+            <p:cNvPicPr>
+              <a:picLocks noChangeAspect="1"/>
+            </p:cNvPicPr>
+            <p:nvPr/>
+          </p:nvPicPr>
+          <p:blipFill rotWithShape="1">
+            <a:blip r:embed="rId7">
+              <a:extLst>
+                <a:ext uri="{28A0092B-C50C-407E-A947-70E740481C1C}">
+                  <a14:useLocalDpi xmlns:a14="http://schemas.microsoft.com/office/drawing/2010/main" val="0"/>
+                </a:ext>
+              </a:extLst>
+            </a:blip>
+            <a:srcRect l="24716" r="24717"/>
+            <a:stretch/>
+          </p:blipFill>
+          <p:spPr>
+            <a:xfrm>
+              <a:off x="2590800" y="1524000"/>
+              <a:ext cx="3962400" cy="3810000"/>
+            </a:xfrm>
+            <a:prstGeom prst="rect">
+              <a:avLst/>
+            </a:prstGeom>
+          </p:spPr>
+        </p:pic>
+        <p:sp>
+          <p:nvSpPr>
+            <p:cNvPr id="13" name="Arc 12"/>
+            <p:cNvSpPr/>
+            <p:nvPr/>
+          </p:nvSpPr>
+          <p:spPr>
+            <a:xfrm>
+              <a:off x="2895600" y="1822704"/>
+              <a:ext cx="3352800" cy="3282696"/>
+            </a:xfrm>
+            <a:prstGeom prst="arc">
+              <a:avLst>
+                <a:gd name="adj1" fmla="val 20230598"/>
+                <a:gd name="adj2" fmla="val 19466414"/>
+              </a:avLst>
+            </a:prstGeom>
+            <a:ln w="276225"/>
+          </p:spPr>
+          <p:style>
+            <a:lnRef idx="1">
+              <a:schemeClr val="accent1"/>
+            </a:lnRef>
+            <a:fillRef idx="0">
+              <a:schemeClr val="accent1"/>
+            </a:fillRef>
+            <a:effectRef idx="0">
+              <a:schemeClr val="accent1"/>
+            </a:effectRef>
+            <a:fontRef idx="minor">
+              <a:schemeClr val="tx1"/>
+            </a:fontRef>
+          </p:style>
+          <p:txBody>
+            <a:bodyPr rtlCol="0" anchor="ctr"/>
+            <a:lstStyle/>
+            <a:p>
+              <a:pPr algn="ctr"/>
+              <a:endParaRPr lang="en-US"/>
+            </a:p>
+          </p:txBody>
+        </p:sp>
+      </p:grpSp>
     </p:spTree>
     <p:extLst>
       <p:ext uri="{BB962C8B-B14F-4D97-AF65-F5344CB8AC3E}">
